--- a/git_presentation.pptx
+++ b/git_presentation.pptx
@@ -292,7 +292,7 @@
       </p15:sldGuideLst>
     </p:ext>
     <p:ext uri="GoogleSlidesCustomDataVersion2">
-      <go:slidesCustomData xmlns:go="http://customooxmlschemas.google.com/" xmlns:ahyp="http://schemas.microsoft.com/office/drawing/2018/hyperlinkcolor" xmlns:p15="http://schemas.microsoft.com/office/powerpoint/2012/main" xmlns:p14="http://schemas.microsoft.com/office/powerpoint/2010/main" xmlns:com="http://schemas.openxmlformats.org/drawingml/2006/compatibility" xmlns:pvml="urn:schemas-microsoft-com:office:powerpoint" xmlns:v="urn:schemas-microsoft-com:vml" xmlns:o="urn:schemas-microsoft-com:office:office" xmlns:dgm="http://schemas.openxmlformats.org/drawingml/2006/diagram" xmlns:c="http://schemas.openxmlformats.org/drawingml/2006/chart" xmlns:mv="urn:schemas-microsoft-com:mac:vml" xmlns:mc="http://schemas.openxmlformats.org/markup-compatibility/2006" xmlns="" r:id="rId32" roundtripDataSignature="AMtx7mjk9s7wKgU58unbObR+2BTFQJhEgw=="/>
+      <go:slidesCustomData xmlns="" xmlns:mc="http://schemas.openxmlformats.org/markup-compatibility/2006" xmlns:mv="urn:schemas-microsoft-com:mac:vml" xmlns:c="http://schemas.openxmlformats.org/drawingml/2006/chart" xmlns:dgm="http://schemas.openxmlformats.org/drawingml/2006/diagram" xmlns:o="urn:schemas-microsoft-com:office:office" xmlns:v="urn:schemas-microsoft-com:vml" xmlns:pvml="urn:schemas-microsoft-com:office:powerpoint" xmlns:com="http://schemas.openxmlformats.org/drawingml/2006/compatibility" xmlns:p14="http://schemas.microsoft.com/office/powerpoint/2010/main" xmlns:p15="http://schemas.microsoft.com/office/powerpoint/2012/main" xmlns:ahyp="http://schemas.microsoft.com/office/drawing/2018/hyperlinkcolor" xmlns:go="http://customooxmlschemas.google.com/" r:id="rId32" roundtripDataSignature="AMtx7mjk9s7wKgU58unbObR+2BTFQJhEgw=="/>
     </p:ext>
   </p:extLst>
 </p:presentation>
@@ -14960,7 +14960,7 @@
               <a:buSzPts val="4450"/>
             </a:pPr>
             <a:r>
-              <a:rPr lang="en-IN" sz="4450" dirty="0">
+              <a:rPr lang="en-IN" sz="6000" dirty="0">
                 <a:solidFill>
                   <a:srgbClr val="466855"/>
                 </a:solidFill>
@@ -14970,7 +14970,7 @@
               </a:rPr>
               <a:t>git fetch</a:t>
             </a:r>
-            <a:endParaRPr lang="en-US" sz="4450" b="0" i="0" u="none" strike="noStrike" cap="none" dirty="0">
+            <a:endParaRPr lang="en-US" sz="6000" b="0" i="0" u="none" strike="noStrike" cap="none" dirty="0">
               <a:solidFill>
                 <a:srgbClr val="466855"/>
               </a:solidFill>
@@ -15023,14 +15023,14 @@
               <a:buSzPts val="1750"/>
             </a:pPr>
             <a:r>
-              <a:rPr lang="en-US" sz="2500" dirty="0">
+              <a:rPr lang="en-US" sz="4400" dirty="0">
                 <a:latin typeface="Roboto" panose="02000000000000000000" pitchFamily="2" charset="0"/>
                 <a:ea typeface="Roboto" panose="02000000000000000000" pitchFamily="2" charset="0"/>
                 <a:cs typeface="Roboto" panose="02000000000000000000" pitchFamily="2" charset="0"/>
               </a:rPr>
               <a:t>Download remote changes without integrating them locally.</a:t>
             </a:r>
-            <a:endParaRPr lang="en-US" sz="2500" dirty="0">
+            <a:endParaRPr lang="en-US" sz="4400" dirty="0">
               <a:solidFill>
                 <a:schemeClr val="dk1"/>
               </a:solidFill>
@@ -15560,7 +15560,7 @@
               <a:buSzPts val="4450"/>
             </a:pPr>
             <a:r>
-              <a:rPr lang="en-IN" sz="4450" dirty="0">
+              <a:rPr lang="en-IN" sz="6000" dirty="0">
                 <a:solidFill>
                   <a:srgbClr val="466855"/>
                 </a:solidFill>
@@ -15570,7 +15570,7 @@
               </a:rPr>
               <a:t>git pull</a:t>
             </a:r>
-            <a:endParaRPr lang="en-US" sz="4450" b="0" i="0" u="none" strike="noStrike" cap="none" dirty="0">
+            <a:endParaRPr lang="en-US" sz="6000" b="0" i="0" u="none" strike="noStrike" cap="none" dirty="0">
               <a:solidFill>
                 <a:srgbClr val="466855"/>
               </a:solidFill>
@@ -15623,14 +15623,14 @@
               <a:buSzPts val="1750"/>
             </a:pPr>
             <a:r>
-              <a:rPr lang="en-US" sz="2500" dirty="0">
+              <a:rPr lang="en-US" sz="4400" dirty="0">
                 <a:latin typeface="Roboto" panose="02000000000000000000" pitchFamily="2" charset="0"/>
                 <a:ea typeface="Roboto" panose="02000000000000000000" pitchFamily="2" charset="0"/>
                 <a:cs typeface="Roboto" panose="02000000000000000000" pitchFamily="2" charset="0"/>
               </a:rPr>
               <a:t>Fetch remote changes and integrate them into your current branch.</a:t>
             </a:r>
-            <a:endParaRPr lang="en-US" sz="2500" dirty="0">
+            <a:endParaRPr lang="en-US" sz="4400" dirty="0">
               <a:solidFill>
                 <a:schemeClr val="dk1"/>
               </a:solidFill>
@@ -16160,7 +16160,7 @@
               <a:buSzPts val="4450"/>
             </a:pPr>
             <a:r>
-              <a:rPr lang="en-IN" sz="4450" dirty="0">
+              <a:rPr lang="en-IN" sz="6000" dirty="0">
                 <a:solidFill>
                   <a:srgbClr val="466855"/>
                 </a:solidFill>
@@ -16170,7 +16170,7 @@
               </a:rPr>
               <a:t>git push</a:t>
             </a:r>
-            <a:endParaRPr lang="en-US" sz="4450" b="0" i="0" u="none" strike="noStrike" cap="none" dirty="0">
+            <a:endParaRPr lang="en-US" sz="6000" b="0" i="0" u="none" strike="noStrike" cap="none" dirty="0">
               <a:solidFill>
                 <a:srgbClr val="466855"/>
               </a:solidFill>
@@ -16223,14 +16223,14 @@
               <a:buSzPts val="1750"/>
             </a:pPr>
             <a:r>
-              <a:rPr lang="en-US" sz="2500" dirty="0">
+              <a:rPr lang="en-US" sz="4400" dirty="0">
                 <a:latin typeface="Roboto" panose="02000000000000000000" pitchFamily="2" charset="0"/>
                 <a:ea typeface="Roboto" panose="02000000000000000000" pitchFamily="2" charset="0"/>
                 <a:cs typeface="Roboto" panose="02000000000000000000" pitchFamily="2" charset="0"/>
               </a:rPr>
               <a:t>Upload your local commits to the remote repository.</a:t>
             </a:r>
-            <a:endParaRPr lang="en-US" sz="2500" dirty="0">
+            <a:endParaRPr lang="en-US" sz="4400" dirty="0">
               <a:solidFill>
                 <a:schemeClr val="dk1"/>
               </a:solidFill>
@@ -16760,7 +16760,7 @@
               <a:buSzPts val="4450"/>
             </a:pPr>
             <a:r>
-              <a:rPr lang="en-IN" sz="4450" dirty="0">
+              <a:rPr lang="en-IN" sz="6000" dirty="0">
                 <a:solidFill>
                   <a:srgbClr val="466855"/>
                 </a:solidFill>
@@ -16770,7 +16770,7 @@
               </a:rPr>
               <a:t>git stash</a:t>
             </a:r>
-            <a:endParaRPr lang="en-US" sz="4450" b="0" i="0" u="none" strike="noStrike" cap="none" dirty="0">
+            <a:endParaRPr lang="en-US" sz="6000" b="0" i="0" u="none" strike="noStrike" cap="none" dirty="0">
               <a:solidFill>
                 <a:srgbClr val="466855"/>
               </a:solidFill>
@@ -16823,14 +16823,14 @@
               <a:buSzPts val="1750"/>
             </a:pPr>
             <a:r>
-              <a:rPr lang="en-US" sz="2500" dirty="0">
+              <a:rPr lang="en-US" sz="4400" dirty="0">
                 <a:latin typeface="Roboto" panose="02000000000000000000" pitchFamily="2" charset="0"/>
                 <a:ea typeface="Roboto" panose="02000000000000000000" pitchFamily="2" charset="0"/>
                 <a:cs typeface="Roboto" panose="02000000000000000000" pitchFamily="2" charset="0"/>
               </a:rPr>
               <a:t>Temporarily save uncommitted changes to work on something else.</a:t>
             </a:r>
-            <a:endParaRPr lang="en-US" sz="2500" dirty="0">
+            <a:endParaRPr lang="en-US" sz="4400" dirty="0">
               <a:solidFill>
                 <a:schemeClr val="dk1"/>
               </a:solidFill>
@@ -17360,7 +17360,7 @@
               <a:buSzPts val="4450"/>
             </a:pPr>
             <a:r>
-              <a:rPr lang="en-IN" sz="4450" dirty="0">
+              <a:rPr lang="en-IN" sz="6000" dirty="0">
                 <a:solidFill>
                   <a:srgbClr val="466855"/>
                 </a:solidFill>
@@ -17370,7 +17370,7 @@
               </a:rPr>
               <a:t>git stash apply</a:t>
             </a:r>
-            <a:endParaRPr lang="en-US" sz="4450" b="0" i="0" u="none" strike="noStrike" cap="none" dirty="0">
+            <a:endParaRPr lang="en-US" sz="6000" b="0" i="0" u="none" strike="noStrike" cap="none" dirty="0">
               <a:solidFill>
                 <a:srgbClr val="466855"/>
               </a:solidFill>
@@ -17423,14 +17423,14 @@
               <a:buSzPts val="1750"/>
             </a:pPr>
             <a:r>
-              <a:rPr lang="en-US" sz="2500" dirty="0">
+              <a:rPr lang="en-US" sz="4400" dirty="0">
                 <a:latin typeface="Roboto" panose="02000000000000000000" pitchFamily="2" charset="0"/>
                 <a:ea typeface="Roboto" panose="02000000000000000000" pitchFamily="2" charset="0"/>
                 <a:cs typeface="Roboto" panose="02000000000000000000" pitchFamily="2" charset="0"/>
               </a:rPr>
               <a:t>Reapply previously stashed changes to your working directory.</a:t>
             </a:r>
-            <a:endParaRPr lang="en-US" sz="2500" dirty="0">
+            <a:endParaRPr lang="en-US" sz="4400" dirty="0">
               <a:solidFill>
                 <a:schemeClr val="dk1"/>
               </a:solidFill>
@@ -18187,7 +18187,7 @@
               <a:buNone/>
             </a:pPr>
             <a:r>
-              <a:rPr lang="en-US" sz="4450" b="0" i="0" u="none" strike="noStrike" cap="none" dirty="0">
+              <a:rPr lang="en-US" sz="5400" b="0" i="0" u="none" strike="noStrike" cap="none" dirty="0">
                 <a:solidFill>
                   <a:srgbClr val="466855"/>
                 </a:solidFill>
@@ -18250,7 +18250,7 @@
               <a:buNone/>
             </a:pPr>
             <a:r>
-              <a:rPr lang="en-US" sz="2500" dirty="0">
+              <a:rPr lang="en-US" sz="4400" dirty="0">
                 <a:solidFill>
                   <a:schemeClr val="dk1"/>
                 </a:solidFill>
@@ -18782,7 +18782,7 @@
               <a:buSzPts val="4450"/>
             </a:pPr>
             <a:r>
-              <a:rPr lang="en-IN" sz="4450" dirty="0">
+              <a:rPr lang="en-IN" sz="6000" dirty="0">
                 <a:solidFill>
                   <a:srgbClr val="466855"/>
                 </a:solidFill>
@@ -18792,7 +18792,7 @@
               </a:rPr>
               <a:t>Why Git &amp; GitHub?</a:t>
             </a:r>
-            <a:endParaRPr lang="en-US" sz="4450" b="0" i="0" u="none" strike="noStrike" cap="none" dirty="0">
+            <a:endParaRPr lang="en-US" sz="6000" b="0" i="0" u="none" strike="noStrike" cap="none" dirty="0">
               <a:solidFill>
                 <a:srgbClr val="466855"/>
               </a:solidFill>
@@ -18818,8 +18818,8 @@
         </p:nvSpPr>
         <p:spPr>
           <a:xfrm>
-            <a:off x="3021937" y="5359122"/>
-            <a:ext cx="9593079" cy="1634774"/>
+            <a:off x="3021937" y="5359121"/>
+            <a:ext cx="9593079" cy="3047459"/>
           </a:xfrm>
           <a:prstGeom prst="rect">
             <a:avLst/>
@@ -18845,7 +18845,7 @@
               <a:buSzPts val="1750"/>
             </a:pPr>
             <a:r>
-              <a:rPr lang="en-US" sz="2500" dirty="0">
+              <a:rPr lang="en-US" sz="4400" dirty="0">
                 <a:solidFill>
                   <a:schemeClr val="tx1"/>
                 </a:solidFill>
@@ -18855,7 +18855,7 @@
               </a:rPr>
               <a:t>Track changes, collaborate seamlessly, and manage project history.</a:t>
             </a:r>
-            <a:endParaRPr lang="en-US" sz="2500" dirty="0">
+            <a:endParaRPr lang="en-US" sz="4400" dirty="0">
               <a:solidFill>
                 <a:schemeClr val="tx1"/>
               </a:solidFill>
@@ -19385,7 +19385,7 @@
               <a:buSzPts val="4450"/>
             </a:pPr>
             <a:r>
-              <a:rPr lang="en-IN" sz="4450" dirty="0">
+              <a:rPr lang="en-IN" sz="6000" dirty="0">
                 <a:solidFill>
                   <a:srgbClr val="466855"/>
                 </a:solidFill>
@@ -19396,7 +19396,7 @@
               <a:t>git </a:t>
             </a:r>
             <a:r>
-              <a:rPr lang="en-IN" sz="4450" dirty="0" err="1">
+              <a:rPr lang="en-IN" sz="6000" dirty="0" err="1">
                 <a:solidFill>
                   <a:srgbClr val="466855"/>
                 </a:solidFill>
@@ -19406,7 +19406,7 @@
               </a:rPr>
               <a:t>init</a:t>
             </a:r>
-            <a:endParaRPr lang="en-US" sz="4450" b="0" i="0" u="none" strike="noStrike" cap="none" dirty="0">
+            <a:endParaRPr lang="en-US" sz="6000" b="0" i="0" u="none" strike="noStrike" cap="none" dirty="0">
               <a:solidFill>
                 <a:srgbClr val="466855"/>
               </a:solidFill>
@@ -19459,7 +19459,7 @@
               <a:buSzPts val="1750"/>
             </a:pPr>
             <a:r>
-              <a:rPr lang="en-US" sz="2500" dirty="0">
+              <a:rPr lang="en-US" sz="4400" dirty="0">
                 <a:solidFill>
                   <a:schemeClr val="tx1"/>
                 </a:solidFill>
@@ -19469,7 +19469,7 @@
               </a:rPr>
               <a:t>Start a new Git repository in your project folder.</a:t>
             </a:r>
-            <a:endParaRPr lang="en-US" sz="2500" dirty="0">
+            <a:endParaRPr lang="en-US" sz="4400" dirty="0">
               <a:solidFill>
                 <a:schemeClr val="tx1"/>
               </a:solidFill>
@@ -19999,7 +19999,7 @@
               <a:buSzPts val="4450"/>
             </a:pPr>
             <a:r>
-              <a:rPr lang="en-IN" sz="4450" dirty="0">
+              <a:rPr lang="en-IN" sz="6000" dirty="0">
                 <a:solidFill>
                   <a:srgbClr val="466855"/>
                 </a:solidFill>
@@ -20009,7 +20009,7 @@
               </a:rPr>
               <a:t>git config</a:t>
             </a:r>
-            <a:endParaRPr lang="en-US" sz="4450" b="0" i="0" u="none" strike="noStrike" cap="none" dirty="0">
+            <a:endParaRPr lang="en-US" sz="6000" b="0" i="0" u="none" strike="noStrike" cap="none" dirty="0">
               <a:solidFill>
                 <a:srgbClr val="466855"/>
               </a:solidFill>
@@ -20062,7 +20062,7 @@
               <a:buSzPts val="1750"/>
             </a:pPr>
             <a:r>
-              <a:rPr lang="en-US" sz="2500" dirty="0">
+              <a:rPr lang="en-US" sz="4400" dirty="0">
                 <a:solidFill>
                   <a:schemeClr val="tx1"/>
                 </a:solidFill>
@@ -20072,7 +20072,7 @@
               </a:rPr>
               <a:t>Set your user name and email for commit identification.</a:t>
             </a:r>
-            <a:endParaRPr lang="en-US" sz="2500" dirty="0">
+            <a:endParaRPr lang="en-US" sz="4400" dirty="0">
               <a:solidFill>
                 <a:schemeClr val="tx1"/>
               </a:solidFill>
@@ -20602,7 +20602,7 @@
               <a:buSzPts val="4450"/>
             </a:pPr>
             <a:r>
-              <a:rPr lang="en-IN" sz="4450" dirty="0">
+              <a:rPr lang="en-IN" sz="6000" dirty="0">
                 <a:solidFill>
                   <a:srgbClr val="466855"/>
                 </a:solidFill>
@@ -20612,7 +20612,7 @@
               </a:rPr>
               <a:t>git add</a:t>
             </a:r>
-            <a:endParaRPr lang="en-US" sz="4450" b="0" i="0" u="none" strike="noStrike" cap="none" dirty="0">
+            <a:endParaRPr lang="en-US" sz="6000" b="0" i="0" u="none" strike="noStrike" cap="none" dirty="0">
               <a:solidFill>
                 <a:srgbClr val="466855"/>
               </a:solidFill>
@@ -20665,7 +20665,7 @@
               <a:buSzPts val="1750"/>
             </a:pPr>
             <a:r>
-              <a:rPr lang="en-US" sz="2500" dirty="0">
+              <a:rPr lang="en-US" sz="4400" dirty="0">
                 <a:solidFill>
                   <a:schemeClr val="tx1"/>
                 </a:solidFill>
@@ -20675,7 +20675,7 @@
               </a:rPr>
               <a:t>Stage changes: Prepare files for your next snapshot (commit).</a:t>
             </a:r>
-            <a:endParaRPr lang="en-US" sz="2500" dirty="0">
+            <a:endParaRPr lang="en-US" sz="4400" dirty="0">
               <a:solidFill>
                 <a:schemeClr val="tx1"/>
               </a:solidFill>
@@ -21205,7 +21205,7 @@
               <a:buSzPts val="4450"/>
             </a:pPr>
             <a:r>
-              <a:rPr lang="en-IN" sz="4450" dirty="0">
+              <a:rPr lang="en-IN" sz="6000" dirty="0">
                 <a:solidFill>
                   <a:srgbClr val="466855"/>
                 </a:solidFill>
@@ -21215,7 +21215,7 @@
               </a:rPr>
               <a:t>git commit</a:t>
             </a:r>
-            <a:endParaRPr lang="en-US" sz="4450" b="0" i="0" u="none" strike="noStrike" cap="none" dirty="0">
+            <a:endParaRPr lang="en-US" sz="6000" b="0" i="0" u="none" strike="noStrike" cap="none" dirty="0">
               <a:solidFill>
                 <a:srgbClr val="466855"/>
               </a:solidFill>
@@ -21268,7 +21268,7 @@
               <a:buSzPts val="1750"/>
             </a:pPr>
             <a:r>
-              <a:rPr lang="en-US" sz="2500" dirty="0">
+              <a:rPr lang="en-US" sz="4400" dirty="0">
                 <a:solidFill>
                   <a:schemeClr val="tx1"/>
                 </a:solidFill>
@@ -21278,7 +21278,7 @@
               </a:rPr>
               <a:t>Save your staged changes with a descriptive message.</a:t>
             </a:r>
-            <a:endParaRPr lang="en-US" sz="2500" dirty="0">
+            <a:endParaRPr lang="en-US" sz="4400" dirty="0">
               <a:solidFill>
                 <a:schemeClr val="tx1"/>
               </a:solidFill>
@@ -21808,7 +21808,7 @@
               <a:buSzPts val="4450"/>
             </a:pPr>
             <a:r>
-              <a:rPr lang="en-IN" sz="4450" dirty="0">
+              <a:rPr lang="en-IN" sz="6000" dirty="0">
                 <a:solidFill>
                   <a:srgbClr val="466855"/>
                 </a:solidFill>
@@ -21818,7 +21818,7 @@
               </a:rPr>
               <a:t>git branch</a:t>
             </a:r>
-            <a:endParaRPr lang="en-US" sz="4450" b="0" i="0" u="none" strike="noStrike" cap="none" dirty="0">
+            <a:endParaRPr lang="en-US" sz="6000" b="0" i="0" u="none" strike="noStrike" cap="none" dirty="0">
               <a:solidFill>
                 <a:srgbClr val="466855"/>
               </a:solidFill>
@@ -21844,8 +21844,8 @@
         </p:nvSpPr>
         <p:spPr>
           <a:xfrm>
-            <a:off x="4296395" y="5320334"/>
-            <a:ext cx="7958564" cy="1634774"/>
+            <a:off x="2330245" y="5320334"/>
+            <a:ext cx="12506632" cy="1634774"/>
           </a:xfrm>
           <a:prstGeom prst="rect">
             <a:avLst/>
@@ -21871,14 +21871,14 @@
               <a:buSzPts val="1750"/>
             </a:pPr>
             <a:r>
-              <a:rPr lang="en-US" sz="2500" dirty="0">
+              <a:rPr lang="en-US" sz="4400" dirty="0">
                 <a:latin typeface="Roboto" panose="02000000000000000000" pitchFamily="2" charset="0"/>
                 <a:ea typeface="Roboto" panose="02000000000000000000" pitchFamily="2" charset="0"/>
                 <a:cs typeface="Roboto" panose="02000000000000000000" pitchFamily="2" charset="0"/>
               </a:rPr>
               <a:t>Create and manage independent lines of development.</a:t>
             </a:r>
-            <a:endParaRPr lang="en-US" sz="2500" dirty="0">
+            <a:endParaRPr lang="en-US" sz="4400" dirty="0">
               <a:solidFill>
                 <a:schemeClr val="dk1"/>
               </a:solidFill>
@@ -22408,7 +22408,7 @@
               <a:buSzPts val="4450"/>
             </a:pPr>
             <a:r>
-              <a:rPr lang="en-IN" sz="4450" dirty="0">
+              <a:rPr lang="en-IN" sz="6000" dirty="0">
                 <a:solidFill>
                   <a:srgbClr val="466855"/>
                 </a:solidFill>
@@ -22418,7 +22418,7 @@
               </a:rPr>
               <a:t>git merge</a:t>
             </a:r>
-            <a:endParaRPr lang="en-US" sz="4450" b="0" i="0" u="none" strike="noStrike" cap="none" dirty="0">
+            <a:endParaRPr lang="en-US" sz="6000" b="0" i="0" u="none" strike="noStrike" cap="none" dirty="0">
               <a:solidFill>
                 <a:srgbClr val="466855"/>
               </a:solidFill>
@@ -22471,14 +22471,14 @@
               <a:buSzPts val="1750"/>
             </a:pPr>
             <a:r>
-              <a:rPr lang="en-US" sz="2500" dirty="0">
+              <a:rPr lang="en-US" sz="4400" dirty="0">
                 <a:latin typeface="Roboto" panose="02000000000000000000" pitchFamily="2" charset="0"/>
                 <a:ea typeface="Roboto" panose="02000000000000000000" pitchFamily="2" charset="0"/>
                 <a:cs typeface="Roboto" panose="02000000000000000000" pitchFamily="2" charset="0"/>
               </a:rPr>
               <a:t>Combine changes from one branch into another.</a:t>
             </a:r>
-            <a:endParaRPr lang="en-US" sz="2500" dirty="0">
+            <a:endParaRPr lang="en-US" sz="4400" dirty="0">
               <a:solidFill>
                 <a:schemeClr val="dk1"/>
               </a:solidFill>
